--- a/INTEL/Target Folders/SRN/SRNTGT099 Poliarnie Ammuniction Factory.pptx
+++ b/INTEL/Target Folders/SRN/SRNTGT099 Poliarnie Ammuniction Factory.pptx
@@ -109,7 +109,7 @@
   </p:defaultTextStyle>
   <p:extLst>
     <p:ext uri="{EFAFB233-063F-42B5-8137-9DF3F51BA10A}">
-      <p15:sldGuideLst xmlns:p15="http://schemas.microsoft.com/office/powerpoint/2012/main">
+      <p15:sldGuideLst xmlns:p15="http://schemas.microsoft.com/office/powerpoint/2012/main" xmlns="">
         <p15:guide id="1" orient="horz" pos="1620">
           <p15:clr>
             <a:srgbClr val="A4A3A4"/>
@@ -557,7 +557,7 @@
             <a:fld id="{40637A30-8EE1-4060-9976-8832FC89EE34}" type="datetimeFigureOut">
               <a:rPr lang="nb-NO" smtClean="0"/>
               <a:pPr/>
-              <a:t>04.01.2025</a:t>
+              <a:t>18.03.2025</a:t>
             </a:fld>
             <a:endParaRPr lang="nb-NO"/>
           </a:p>
@@ -4147,7 +4147,7 @@
           <p:cNvPr id="33" name="Picture 32" descr="A satellite view of a city&#10;&#10;Description automatically generated">
             <a:extLst>
               <a:ext uri="{FF2B5EF4-FFF2-40B4-BE49-F238E27FC236}">
-                <a16:creationId xmlns:a16="http://schemas.microsoft.com/office/drawing/2014/main" id="{25135706-ADBB-7CDB-94DC-A84E6BAB46E3}"/>
+                <a16:creationId xmlns:a16="http://schemas.microsoft.com/office/drawing/2014/main" xmlns="" id="{25135706-ADBB-7CDB-94DC-A84E6BAB46E3}"/>
               </a:ext>
             </a:extLst>
           </p:cNvPr>
@@ -4160,7 +4160,7 @@
           <a:blip r:embed="rId2">
             <a:extLst>
               <a:ext uri="{28A0092B-C50C-407E-A947-70E740481C1C}">
-                <a14:useLocalDpi xmlns:a14="http://schemas.microsoft.com/office/drawing/2010/main" val="0"/>
+                <a14:useLocalDpi xmlns:a14="http://schemas.microsoft.com/office/drawing/2010/main" xmlns="" val="0"/>
               </a:ext>
             </a:extLst>
           </a:blip>
@@ -4182,7 +4182,7 @@
           <p:cNvPr id="45" name="Picture 44" descr="A black and white image of a city&#10;&#10;Description automatically generated">
             <a:extLst>
               <a:ext uri="{FF2B5EF4-FFF2-40B4-BE49-F238E27FC236}">
-                <a16:creationId xmlns:a16="http://schemas.microsoft.com/office/drawing/2014/main" id="{4C4894C2-0CAB-F4EC-6CCF-E5BB26777637}"/>
+                <a16:creationId xmlns:a16="http://schemas.microsoft.com/office/drawing/2014/main" xmlns="" id="{4C4894C2-0CAB-F4EC-6CCF-E5BB26777637}"/>
               </a:ext>
             </a:extLst>
           </p:cNvPr>
@@ -4192,10 +4192,10 @@
           <p:nvPr/>
         </p:nvPicPr>
         <p:blipFill>
-          <a:blip r:embed="rId3">
+          <a:blip r:embed="rId3" cstate="print">
             <a:extLst>
               <a:ext uri="{28A0092B-C50C-407E-A947-70E740481C1C}">
-                <a14:useLocalDpi xmlns:a14="http://schemas.microsoft.com/office/drawing/2010/main" val="0"/>
+                <a14:useLocalDpi xmlns:a14="http://schemas.microsoft.com/office/drawing/2010/main" xmlns="" val="0"/>
               </a:ext>
             </a:extLst>
           </a:blip>
@@ -4222,7 +4222,7 @@
           <p:cNvPr id="30" name="Picture 29">
             <a:extLst>
               <a:ext uri="{FF2B5EF4-FFF2-40B4-BE49-F238E27FC236}">
-                <a16:creationId xmlns:a16="http://schemas.microsoft.com/office/drawing/2014/main" id="{76F4781F-C2E3-C0BC-DFB4-686FFC5956AE}"/>
+                <a16:creationId xmlns:a16="http://schemas.microsoft.com/office/drawing/2014/main" xmlns="" id="{76F4781F-C2E3-C0BC-DFB4-686FFC5956AE}"/>
               </a:ext>
             </a:extLst>
           </p:cNvPr>
@@ -4680,6 +4680,10 @@
               <a:rPr lang="pl-PL" sz="1000" dirty="0"/>
               <a:t>ft</a:t>
             </a:r>
+            <a:r>
+              <a:rPr lang="nb-NO" sz="1000" dirty="0"/>
+              <a:t/>
+            </a:r>
             <a:br>
               <a:rPr lang="nb-NO" sz="1000" dirty="0"/>
             </a:br>
@@ -4706,6 +4710,10 @@
             <a:br>
               <a:rPr lang="nb-NO" sz="1000" dirty="0"/>
             </a:br>
+            <a:r>
+              <a:rPr lang="nb-NO" sz="400" dirty="0"/>
+              <a:t/>
+            </a:r>
             <a:br>
               <a:rPr lang="nb-NO" sz="400" dirty="0"/>
             </a:br>
@@ -4883,6 +4891,10 @@
             </a:r>
           </a:p>
           <a:p>
+            <a:r>
+              <a:rPr lang="en-GB" sz="1000" b="1" dirty="0"/>
+              <a:t/>
+            </a:r>
             <a:br>
               <a:rPr lang="en-GB" sz="1000" b="1" dirty="0"/>
             </a:br>
@@ -5284,7 +5296,7 @@
           <p:cNvPr id="12" name="Group 11">
             <a:extLst>
               <a:ext uri="{FF2B5EF4-FFF2-40B4-BE49-F238E27FC236}">
-                <a16:creationId xmlns:a16="http://schemas.microsoft.com/office/drawing/2014/main" id="{CB87C8C3-D8EA-DB90-9C3D-C450D6EFC96A}"/>
+                <a16:creationId xmlns:a16="http://schemas.microsoft.com/office/drawing/2014/main" xmlns="" id="{CB87C8C3-D8EA-DB90-9C3D-C450D6EFC96A}"/>
               </a:ext>
             </a:extLst>
           </p:cNvPr>
@@ -5339,7 +5351,7 @@
             <p:cNvPr id="8" name="Stjerne med 4 tagger 3">
               <a:extLst>
                 <a:ext uri="{FF2B5EF4-FFF2-40B4-BE49-F238E27FC236}">
-                  <a16:creationId xmlns:a16="http://schemas.microsoft.com/office/drawing/2014/main" id="{F7A621C3-A925-BD31-00B0-8771E279811B}"/>
+                  <a16:creationId xmlns:a16="http://schemas.microsoft.com/office/drawing/2014/main" xmlns="" id="{F7A621C3-A925-BD31-00B0-8771E279811B}"/>
                 </a:ext>
               </a:extLst>
             </p:cNvPr>
@@ -5392,7 +5404,7 @@
           <p:cNvPr id="13" name="Group 12">
             <a:extLst>
               <a:ext uri="{FF2B5EF4-FFF2-40B4-BE49-F238E27FC236}">
-                <a16:creationId xmlns:a16="http://schemas.microsoft.com/office/drawing/2014/main" id="{A5B805D2-3036-8FC9-74D1-A1CAA7F3460C}"/>
+                <a16:creationId xmlns:a16="http://schemas.microsoft.com/office/drawing/2014/main" xmlns="" id="{A5B805D2-3036-8FC9-74D1-A1CAA7F3460C}"/>
               </a:ext>
             </a:extLst>
           </p:cNvPr>
@@ -5447,7 +5459,7 @@
             <p:cNvPr id="9" name="Stjerne med 4 tagger 3">
               <a:extLst>
                 <a:ext uri="{FF2B5EF4-FFF2-40B4-BE49-F238E27FC236}">
-                  <a16:creationId xmlns:a16="http://schemas.microsoft.com/office/drawing/2014/main" id="{47150474-3F9B-7FFC-DC8C-8A6A7D41DFC6}"/>
+                  <a16:creationId xmlns:a16="http://schemas.microsoft.com/office/drawing/2014/main" xmlns="" id="{47150474-3F9B-7FFC-DC8C-8A6A7D41DFC6}"/>
                 </a:ext>
               </a:extLst>
             </p:cNvPr>
@@ -5500,7 +5512,7 @@
           <p:cNvPr id="7" name="Kép 3">
             <a:extLst>
               <a:ext uri="{FF2B5EF4-FFF2-40B4-BE49-F238E27FC236}">
-                <a16:creationId xmlns:a16="http://schemas.microsoft.com/office/drawing/2014/main" id="{1B59551D-5F28-D3D3-E204-F1515C8500F2}"/>
+                <a16:creationId xmlns:a16="http://schemas.microsoft.com/office/drawing/2014/main" xmlns="" id="{1B59551D-5F28-D3D3-E204-F1515C8500F2}"/>
               </a:ext>
             </a:extLst>
           </p:cNvPr>
@@ -5513,7 +5525,7 @@
           <a:blip r:embed="rId5" cstate="print">
             <a:extLst>
               <a:ext uri="{28A0092B-C50C-407E-A947-70E740481C1C}">
-                <a14:useLocalDpi xmlns:a14="http://schemas.microsoft.com/office/drawing/2010/main" val="0"/>
+                <a14:useLocalDpi xmlns:a14="http://schemas.microsoft.com/office/drawing/2010/main" xmlns="" val="0"/>
               </a:ext>
             </a:extLst>
           </a:blip>
@@ -5536,7 +5548,7 @@
           <p:cNvPr id="10" name="Kép 5">
             <a:extLst>
               <a:ext uri="{FF2B5EF4-FFF2-40B4-BE49-F238E27FC236}">
-                <a16:creationId xmlns:a16="http://schemas.microsoft.com/office/drawing/2014/main" id="{5ED03B33-A541-6889-434D-7CC7CD66257B}"/>
+                <a16:creationId xmlns:a16="http://schemas.microsoft.com/office/drawing/2014/main" xmlns="" id="{5ED03B33-A541-6889-434D-7CC7CD66257B}"/>
               </a:ext>
             </a:extLst>
           </p:cNvPr>
@@ -5549,7 +5561,7 @@
           <a:blip r:embed="rId6" cstate="print">
             <a:extLst>
               <a:ext uri="{28A0092B-C50C-407E-A947-70E740481C1C}">
-                <a14:useLocalDpi xmlns:a14="http://schemas.microsoft.com/office/drawing/2010/main" val="0"/>
+                <a14:useLocalDpi xmlns:a14="http://schemas.microsoft.com/office/drawing/2010/main" xmlns="" val="0"/>
               </a:ext>
             </a:extLst>
           </a:blip>
@@ -5572,7 +5584,7 @@
           <p:cNvPr id="35" name="Rectangle 34">
             <a:extLst>
               <a:ext uri="{FF2B5EF4-FFF2-40B4-BE49-F238E27FC236}">
-                <a16:creationId xmlns:a16="http://schemas.microsoft.com/office/drawing/2014/main" id="{DF290409-BDAF-6A5A-0A6B-92DEA761273D}"/>
+                <a16:creationId xmlns:a16="http://schemas.microsoft.com/office/drawing/2014/main" xmlns="" id="{DF290409-BDAF-6A5A-0A6B-92DEA761273D}"/>
               </a:ext>
             </a:extLst>
           </p:cNvPr>
@@ -5624,7 +5636,7 @@
           <p:cNvPr id="48" name="Straight Connector 47">
             <a:extLst>
               <a:ext uri="{FF2B5EF4-FFF2-40B4-BE49-F238E27FC236}">
-                <a16:creationId xmlns:a16="http://schemas.microsoft.com/office/drawing/2014/main" id="{8E6D313E-64EB-7103-62C1-E87BD5DC6EC0}"/>
+                <a16:creationId xmlns:a16="http://schemas.microsoft.com/office/drawing/2014/main" xmlns="" id="{8E6D313E-64EB-7103-62C1-E87BD5DC6EC0}"/>
               </a:ext>
             </a:extLst>
           </p:cNvPr>
@@ -5667,7 +5679,7 @@
           <p:cNvPr id="56" name="TextBox 55">
             <a:extLst>
               <a:ext uri="{FF2B5EF4-FFF2-40B4-BE49-F238E27FC236}">
-                <a16:creationId xmlns:a16="http://schemas.microsoft.com/office/drawing/2014/main" id="{20A2EB98-D7B6-7488-8EDC-FC78DB9AB76D}"/>
+                <a16:creationId xmlns:a16="http://schemas.microsoft.com/office/drawing/2014/main" xmlns="" id="{20A2EB98-D7B6-7488-8EDC-FC78DB9AB76D}"/>
               </a:ext>
             </a:extLst>
           </p:cNvPr>
@@ -5719,7 +5731,7 @@
           <p:cNvPr id="57" name="Gruppe 20">
             <a:extLst>
               <a:ext uri="{FF2B5EF4-FFF2-40B4-BE49-F238E27FC236}">
-                <a16:creationId xmlns:a16="http://schemas.microsoft.com/office/drawing/2014/main" id="{71999463-1C02-3BF5-D597-1B2756F4B39C}"/>
+                <a16:creationId xmlns:a16="http://schemas.microsoft.com/office/drawing/2014/main" xmlns="" id="{71999463-1C02-3BF5-D597-1B2756F4B39C}"/>
               </a:ext>
             </a:extLst>
           </p:cNvPr>
@@ -5739,7 +5751,7 @@
             <p:cNvPr id="58" name="TekstSylinder 21">
               <a:extLst>
                 <a:ext uri="{FF2B5EF4-FFF2-40B4-BE49-F238E27FC236}">
-                  <a16:creationId xmlns:a16="http://schemas.microsoft.com/office/drawing/2014/main" id="{59EAE30D-8287-7970-D84E-7CCE626B671C}"/>
+                  <a16:creationId xmlns:a16="http://schemas.microsoft.com/office/drawing/2014/main" xmlns="" id="{59EAE30D-8287-7970-D84E-7CCE626B671C}"/>
                 </a:ext>
               </a:extLst>
             </p:cNvPr>
@@ -5780,7 +5792,7 @@
             <p:cNvPr id="59" name="Stjerne med 4 tagger 22">
               <a:extLst>
                 <a:ext uri="{FF2B5EF4-FFF2-40B4-BE49-F238E27FC236}">
-                  <a16:creationId xmlns:a16="http://schemas.microsoft.com/office/drawing/2014/main" id="{92D0B605-AA67-D842-2A75-880DA0B47A8A}"/>
+                  <a16:creationId xmlns:a16="http://schemas.microsoft.com/office/drawing/2014/main" xmlns="" id="{92D0B605-AA67-D842-2A75-880DA0B47A8A}"/>
                 </a:ext>
               </a:extLst>
             </p:cNvPr>
@@ -5833,7 +5845,7 @@
           <p:cNvPr id="6" name="Freeform: Shape 5">
             <a:extLst>
               <a:ext uri="{FF2B5EF4-FFF2-40B4-BE49-F238E27FC236}">
-                <a16:creationId xmlns:a16="http://schemas.microsoft.com/office/drawing/2014/main" id="{F0900A95-98C7-D1E7-CEBC-925D18D6737B}"/>
+                <a16:creationId xmlns:a16="http://schemas.microsoft.com/office/drawing/2014/main" xmlns="" id="{F0900A95-98C7-D1E7-CEBC-925D18D6737B}"/>
               </a:ext>
             </a:extLst>
           </p:cNvPr>
